--- a/materials/slides/ch08-ionic-basic.pptx
+++ b/materials/slides/ch08-ionic-basic.pptx
@@ -1,8 +1,8 @@
 
 <file path=ppt/presentation.xml><?xml version="1.0" encoding="utf-8"?>
-<p:presentation xmlns:a="http://schemas.openxmlformats.org/drawingml/2006/main" xmlns:r="http://schemas.openxmlformats.org/officeDocument/2006/relationships" xmlns:p="http://schemas.openxmlformats.org/presentationml/2006/main" saveSubsetFonts="1">
+<p:presentation xmlns:a="http://schemas.openxmlformats.org/drawingml/2006/main" xmlns:r="http://schemas.openxmlformats.org/officeDocument/2006/relationships" xmlns:p="http://schemas.openxmlformats.org/presentationml/2006/main">
   <p:sldMasterIdLst>
-    <p:sldMasterId id="2147483765" r:id="rId1"/>
+    <p:sldMasterId id="2147483648" r:id="rId1"/>
   </p:sldMasterIdLst>
   <p:notesMasterIdLst>
     <p:notesMasterId r:id="rId14"/>
@@ -148,27 +148,6 @@
       </a:defRPr>
     </a:lvl9pPr>
   </p:defaultTextStyle>
-  <p:extLst>
-    <p:ext uri="{EFAFB233-063F-42B5-8137-9DF3F51BA10A}">
-      <p15:sldGuideLst xmlns="" xmlns:p15="http://schemas.microsoft.com/office/powerpoint/2012/main">
-        <p15:guide id="1" orient="horz" pos="1584">
-          <p15:clr>
-            <a:srgbClr val="A4A3A4"/>
-          </p15:clr>
-        </p15:guide>
-        <p15:guide id="2" pos="1856">
-          <p15:clr>
-            <a:srgbClr val="A4A3A4"/>
-          </p15:clr>
-        </p15:guide>
-        <p15:guide id="3" pos="7499">
-          <p15:clr>
-            <a:srgbClr val="A4A3A4"/>
-          </p15:clr>
-        </p15:guide>
-      </p15:sldGuideLst>
-    </p:ext>
-  </p:extLst>
 </p:presentation>
 </file>
 
@@ -219,20 +198,14 @@
           <a:ln w="9525">
             <a:noFill/>
             <a:miter lim="800000"/>
-            <a:headEnd/>
-            <a:tailEnd/>
           </a:ln>
         </p:spPr>
         <p:txBody>
-          <a:bodyPr vert="horz" wrap="square" lIns="91428" tIns="45714" rIns="91428" bIns="45714" numCol="1" anchor="t" anchorCtr="0" compatLnSpc="1">
-            <a:prstTxWarp prst="textNoShape">
-              <a:avLst/>
-            </a:prstTxWarp>
-          </a:bodyPr>
+          <a:bodyPr vert="horz" wrap="square" lIns="91428" tIns="45714" rIns="91428" bIns="45714" numCol="1" anchor="t" anchorCtr="0" compatLnSpc="1"/>
           <a:lstStyle>
             <a:lvl1pPr>
               <a:defRPr>
-                <a:latin typeface="Arial" pitchFamily="34" charset="0"/>
+                <a:latin typeface="Arial" panose="020B0604020202020204" pitchFamily="34" charset="0"/>
                 <a:ea typeface="+mn-ea"/>
                 <a:cs typeface="+mn-cs"/>
               </a:defRPr>
@@ -268,20 +241,14 @@
           <a:ln w="9525">
             <a:noFill/>
             <a:miter lim="800000"/>
-            <a:headEnd/>
-            <a:tailEnd/>
           </a:ln>
         </p:spPr>
         <p:txBody>
-          <a:bodyPr vert="horz" wrap="square" lIns="91428" tIns="45714" rIns="91428" bIns="45714" numCol="1" anchor="t" anchorCtr="0" compatLnSpc="1">
-            <a:prstTxWarp prst="textNoShape">
-              <a:avLst/>
-            </a:prstTxWarp>
-          </a:bodyPr>
+          <a:bodyPr vert="horz" wrap="square" lIns="91428" tIns="45714" rIns="91428" bIns="45714" numCol="1" anchor="t" anchorCtr="0" compatLnSpc="1"/>
           <a:lstStyle>
             <a:lvl1pPr>
               <a:defRPr>
-                <a:latin typeface="Arial" pitchFamily="34" charset="0"/>
+                <a:latin typeface="Arial" panose="020B0604020202020204" pitchFamily="34" charset="0"/>
                 <a:ea typeface="+mn-ea"/>
                 <a:cs typeface="+mn-cs"/>
               </a:defRPr>
@@ -360,16 +327,10 @@
           <a:ln w="9525">
             <a:noFill/>
             <a:miter lim="800000"/>
-            <a:headEnd/>
-            <a:tailEnd/>
           </a:ln>
         </p:spPr>
         <p:txBody>
-          <a:bodyPr vert="horz" wrap="square" lIns="91428" tIns="45714" rIns="91428" bIns="45714" numCol="1" anchor="t" anchorCtr="0" compatLnSpc="1">
-            <a:prstTxWarp prst="textNoShape">
-              <a:avLst/>
-            </a:prstTxWarp>
-          </a:bodyPr>
+          <a:bodyPr vert="horz" wrap="square" lIns="91428" tIns="45714" rIns="91428" bIns="45714" numCol="1" anchor="t" anchorCtr="0" compatLnSpc="1"/>
           <a:lstStyle/>
           <a:p>
             <a:pPr lvl="0"/>
@@ -430,20 +391,14 @@
           <a:ln w="9525">
             <a:noFill/>
             <a:miter lim="800000"/>
-            <a:headEnd/>
-            <a:tailEnd/>
           </a:ln>
         </p:spPr>
         <p:txBody>
-          <a:bodyPr vert="horz" wrap="square" lIns="91428" tIns="45714" rIns="91428" bIns="45714" numCol="1" anchor="b" anchorCtr="0" compatLnSpc="1">
-            <a:prstTxWarp prst="textNoShape">
-              <a:avLst/>
-            </a:prstTxWarp>
-          </a:bodyPr>
+          <a:bodyPr vert="horz" wrap="square" lIns="91428" tIns="45714" rIns="91428" bIns="45714" numCol="1" anchor="b" anchorCtr="0" compatLnSpc="1"/>
           <a:lstStyle>
             <a:lvl1pPr>
               <a:defRPr>
-                <a:latin typeface="Arial" pitchFamily="34" charset="0"/>
+                <a:latin typeface="Arial" panose="020B0604020202020204" pitchFamily="34" charset="0"/>
                 <a:ea typeface="+mn-ea"/>
                 <a:cs typeface="+mn-cs"/>
               </a:defRPr>
@@ -479,16 +434,10 @@
           <a:ln w="9525">
             <a:noFill/>
             <a:miter lim="800000"/>
-            <a:headEnd/>
-            <a:tailEnd/>
           </a:ln>
         </p:spPr>
         <p:txBody>
-          <a:bodyPr vert="horz" wrap="square" lIns="91428" tIns="45714" rIns="91428" bIns="45714" numCol="1" anchor="b" anchorCtr="0" compatLnSpc="1">
-            <a:prstTxWarp prst="textNoShape">
-              <a:avLst/>
-            </a:prstTxWarp>
-          </a:bodyPr>
+          <a:bodyPr vert="horz" wrap="square" lIns="91428" tIns="45714" rIns="91428" bIns="45714" numCol="1" anchor="b" anchorCtr="0" compatLnSpc="1"/>
           <a:lstStyle>
             <a:lvl1pPr>
               <a:defRPr smtClean="0">
@@ -503,9 +452,6 @@
             </a:pPr>
             <a:fld id="{F2CCABD1-AF70-44CD-8C26-4C379059FAC1}" type="slidenum">
               <a:rPr lang="zh-CN" altLang="zh-CN"/>
-              <a:pPr>
-                <a:defRPr/>
-              </a:pPr>
               <a:t>‹#›</a:t>
             </a:fld>
             <a:endParaRPr lang="zh-CN" altLang="zh-CN"/>
@@ -515,7 +461,7 @@
     </p:spTree>
     <p:extLst>
       <p:ext uri="{BB962C8B-B14F-4D97-AF65-F5344CB8AC3E}">
-        <p14:creationId xmlns:p14="http://schemas.microsoft.com/office/powerpoint/2010/main" val="1557945797"/>
+        <p14:creationId xmlns:p14="http://schemas.microsoft.com/office/powerpoint/2010/main" val="356049097"/>
       </p:ext>
     </p:extLst>
   </p:cSld>
@@ -532,7 +478,7 @@
         <a:solidFill>
           <a:schemeClr val="tx1"/>
         </a:solidFill>
-        <a:latin typeface="Arial" pitchFamily="34" charset="0"/>
+        <a:latin typeface="Arial" panose="020B0604020202020204" pitchFamily="34" charset="0"/>
         <a:ea typeface="+mn-ea"/>
         <a:cs typeface="+mn-cs"/>
       </a:defRPr>
@@ -548,7 +494,7 @@
         <a:solidFill>
           <a:schemeClr val="tx1"/>
         </a:solidFill>
-        <a:latin typeface="Arial" pitchFamily="34" charset="0"/>
+        <a:latin typeface="Arial" panose="020B0604020202020204" pitchFamily="34" charset="0"/>
         <a:ea typeface="+mn-ea"/>
         <a:cs typeface="+mn-cs"/>
       </a:defRPr>
@@ -564,7 +510,7 @@
         <a:solidFill>
           <a:schemeClr val="tx1"/>
         </a:solidFill>
-        <a:latin typeface="Arial" pitchFamily="34" charset="0"/>
+        <a:latin typeface="Arial" panose="020B0604020202020204" pitchFamily="34" charset="0"/>
         <a:ea typeface="+mn-ea"/>
         <a:cs typeface="+mn-cs"/>
       </a:defRPr>
@@ -580,7 +526,7 @@
         <a:solidFill>
           <a:schemeClr val="tx1"/>
         </a:solidFill>
-        <a:latin typeface="Arial" pitchFamily="34" charset="0"/>
+        <a:latin typeface="Arial" panose="020B0604020202020204" pitchFamily="34" charset="0"/>
         <a:ea typeface="+mn-ea"/>
         <a:cs typeface="+mn-cs"/>
       </a:defRPr>
@@ -596,7 +542,7 @@
         <a:solidFill>
           <a:schemeClr val="tx1"/>
         </a:solidFill>
-        <a:latin typeface="Arial" pitchFamily="34" charset="0"/>
+        <a:latin typeface="Arial" panose="020B0604020202020204" pitchFamily="34" charset="0"/>
         <a:ea typeface="+mn-ea"/>
         <a:cs typeface="+mn-cs"/>
       </a:defRPr>
@@ -686,7 +632,6 @@
         </p:nvSpPr>
         <p:spPr>
           <a:noFill/>
-          <a:ln/>
           <a:extLst>
             <a:ext uri="{909E8E84-426E-40DD-AFC4-6F175D3DCCD1}">
               <a14:hiddenFill xmlns:a14="http://schemas.microsoft.com/office/drawing/2010/main">
@@ -727,7 +672,6 @@
         </p:nvSpPr>
         <p:spPr>
           <a:noFill/>
-          <a:ln/>
           <a:extLst>
             <a:ext uri="{909E8E84-426E-40DD-AFC4-6F175D3DCCD1}">
               <a14:hiddenFill xmlns:a14="http://schemas.microsoft.com/office/drawing/2010/main">
@@ -862,7 +806,6 @@
               <a:rPr lang="zh-CN" altLang="zh-CN">
                 <a:ea typeface="宋体" panose="02010600030101010101" pitchFamily="2" charset="-122"/>
               </a:rPr>
-              <a:pPr/>
               <a:t>2</a:t>
             </a:fld>
             <a:endParaRPr lang="zh-CN" altLang="zh-CN">
@@ -920,7 +863,6 @@
         </p:nvSpPr>
         <p:spPr>
           <a:noFill/>
-          <a:ln/>
           <a:extLst>
             <a:ext uri="{909E8E84-426E-40DD-AFC4-6F175D3DCCD1}">
               <a14:hiddenFill xmlns:a14="http://schemas.microsoft.com/office/drawing/2010/main">
@@ -961,7 +903,6 @@
         </p:nvSpPr>
         <p:spPr>
           <a:noFill/>
-          <a:ln/>
           <a:extLst>
             <a:ext uri="{909E8E84-426E-40DD-AFC4-6F175D3DCCD1}">
               <a14:hiddenFill xmlns:a14="http://schemas.microsoft.com/office/drawing/2010/main">
@@ -1096,7 +1037,6 @@
               <a:rPr lang="zh-CN" altLang="zh-CN">
                 <a:ea typeface="宋体" panose="02010600030101010101" pitchFamily="2" charset="-122"/>
               </a:rPr>
-              <a:pPr/>
               <a:t>6</a:t>
             </a:fld>
             <a:endParaRPr lang="zh-CN" altLang="zh-CN">
@@ -1154,7 +1094,6 @@
         </p:nvSpPr>
         <p:spPr>
           <a:noFill/>
-          <a:ln/>
           <a:extLst>
             <a:ext uri="{909E8E84-426E-40DD-AFC4-6F175D3DCCD1}">
               <a14:hiddenFill xmlns:a14="http://schemas.microsoft.com/office/drawing/2010/main">
@@ -1195,7 +1134,6 @@
         </p:nvSpPr>
         <p:spPr>
           <a:noFill/>
-          <a:ln/>
           <a:extLst>
             <a:ext uri="{909E8E84-426E-40DD-AFC4-6F175D3DCCD1}">
               <a14:hiddenFill xmlns:a14="http://schemas.microsoft.com/office/drawing/2010/main">
@@ -1330,7 +1268,6 @@
               <a:rPr lang="zh-CN" altLang="zh-CN">
                 <a:ea typeface="宋体" panose="02010600030101010101" pitchFamily="2" charset="-122"/>
               </a:rPr>
-              <a:pPr/>
               <a:t>9</a:t>
             </a:fld>
             <a:endParaRPr lang="zh-CN" altLang="zh-CN">
@@ -1503,11 +1440,6 @@
         </p:txBody>
       </p:sp>
     </p:spTree>
-    <p:extLst>
-      <p:ext uri="{BB962C8B-B14F-4D97-AF65-F5344CB8AC3E}">
-        <p14:creationId xmlns:p14="http://schemas.microsoft.com/office/powerpoint/2010/main" val="3231191065"/>
-      </p:ext>
-    </p:extLst>
   </p:cSld>
   <p:clrMapOvr>
     <a:masterClrMapping/>
@@ -1533,11 +1465,6 @@
         </a:xfrm>
       </p:grpSpPr>
     </p:spTree>
-    <p:extLst>
-      <p:ext uri="{BB962C8B-B14F-4D97-AF65-F5344CB8AC3E}">
-        <p14:creationId xmlns:p14="http://schemas.microsoft.com/office/powerpoint/2010/main" val="1573579198"/>
-      </p:ext>
-    </p:extLst>
   </p:cSld>
   <p:clrMapOvr>
     <a:masterClrMapping/>
@@ -1586,9 +1513,6 @@
             </a:pPr>
             <a:fld id="{47C3396E-9211-4547-967E-61E7FE21E567}" type="slidenum">
               <a:rPr lang="zh-CN" altLang="zh-CN"/>
-              <a:pPr>
-                <a:defRPr/>
-              </a:pPr>
               <a:t>‹#›</a:t>
             </a:fld>
             <a:endParaRPr lang="zh-CN" altLang="zh-CN" sz="3200" b="0"/>
@@ -1596,11 +1520,6 @@
         </p:txBody>
       </p:sp>
     </p:spTree>
-    <p:extLst>
-      <p:ext uri="{BB962C8B-B14F-4D97-AF65-F5344CB8AC3E}">
-        <p14:creationId xmlns:p14="http://schemas.microsoft.com/office/powerpoint/2010/main" val="1283725717"/>
-      </p:ext>
-    </p:extLst>
   </p:cSld>
   <p:clrMapOvr>
     <a:masterClrMapping/>
@@ -1776,11 +1695,6 @@
         </p:txBody>
       </p:sp>
     </p:spTree>
-    <p:extLst>
-      <p:ext uri="{BB962C8B-B14F-4D97-AF65-F5344CB8AC3E}">
-        <p14:creationId xmlns:p14="http://schemas.microsoft.com/office/powerpoint/2010/main" val="713810152"/>
-      </p:ext>
-    </p:extLst>
   </p:cSld>
   <p:clrMapOvr>
     <a:masterClrMapping/>
@@ -1839,16 +1753,10 @@
           <a:ln w="9525">
             <a:noFill/>
             <a:miter lim="800000"/>
-            <a:headEnd/>
-            <a:tailEnd/>
           </a:ln>
         </p:spPr>
         <p:txBody>
-          <a:bodyPr vert="horz" wrap="square" lIns="91440" tIns="45720" rIns="91440" bIns="45720" numCol="1" anchor="ctr" anchorCtr="0" compatLnSpc="1">
-            <a:prstTxWarp prst="textNoShape">
-              <a:avLst/>
-            </a:prstTxWarp>
-          </a:bodyPr>
+          <a:bodyPr vert="horz" wrap="square" lIns="91440" tIns="45720" rIns="91440" bIns="45720" numCol="1" anchor="ctr" anchorCtr="0" compatLnSpc="1"/>
           <a:lstStyle>
             <a:lvl1pPr algn="ctr">
               <a:defRPr sz="800" b="1" smtClean="0">
@@ -1863,9 +1771,6 @@
             </a:pPr>
             <a:fld id="{E0DF5675-CCDD-41D0-B739-D8B68A8C341A}" type="slidenum">
               <a:rPr lang="zh-CN" altLang="zh-CN"/>
-              <a:pPr>
-                <a:defRPr/>
-              </a:pPr>
               <a:t>‹#›</a:t>
             </a:fld>
             <a:endParaRPr lang="zh-CN" altLang="zh-CN"/>
@@ -1984,10 +1889,10 @@
   </p:cSld>
   <p:clrMap bg1="lt1" tx1="dk1" bg2="lt2" tx2="dk2" accent1="accent1" accent2="accent2" accent3="accent3" accent4="accent4" accent5="accent5" accent6="accent6" hlink="hlink" folHlink="folHlink"/>
   <p:sldLayoutIdLst>
-    <p:sldLayoutId id="2147484230" r:id="rId1"/>
-    <p:sldLayoutId id="2147484231" r:id="rId2"/>
-    <p:sldLayoutId id="2147484232" r:id="rId3"/>
-    <p:sldLayoutId id="2147484233" r:id="rId4"/>
+    <p:sldLayoutId id="2147483649" r:id="rId1"/>
+    <p:sldLayoutId id="2147483650" r:id="rId2"/>
+    <p:sldLayoutId id="2147483651" r:id="rId3"/>
+    <p:sldLayoutId id="2147483652" r:id="rId4"/>
   </p:sldLayoutIdLst>
   <p:timing>
     <p:tnLst>
@@ -2009,8 +1914,8 @@
           <a:solidFill>
             <a:schemeClr val="tx2"/>
           </a:solidFill>
-          <a:latin typeface="微软雅黑" pitchFamily="34" charset="-122"/>
-          <a:ea typeface="微软雅黑" pitchFamily="34" charset="-122"/>
+          <a:latin typeface="微软雅黑" panose="020B0503020204020204" pitchFamily="34" charset="-122"/>
+          <a:ea typeface="微软雅黑" panose="020B0503020204020204" pitchFamily="34" charset="-122"/>
           <a:cs typeface="微软雅黑" panose="020B0503020204020204" pitchFamily="34" charset="-122"/>
         </a:defRPr>
       </a:lvl1pPr>
@@ -2025,8 +1930,8 @@
           <a:solidFill>
             <a:schemeClr val="tx2"/>
           </a:solidFill>
-          <a:latin typeface="微软雅黑" pitchFamily="34" charset="-122"/>
-          <a:ea typeface="微软雅黑" pitchFamily="34" charset="-122"/>
+          <a:latin typeface="微软雅黑" panose="020B0503020204020204" pitchFamily="34" charset="-122"/>
+          <a:ea typeface="微软雅黑" panose="020B0503020204020204" pitchFamily="34" charset="-122"/>
           <a:cs typeface="微软雅黑" panose="020B0503020204020204" pitchFamily="34" charset="-122"/>
         </a:defRPr>
       </a:lvl2pPr>
@@ -2041,8 +1946,8 @@
           <a:solidFill>
             <a:schemeClr val="tx2"/>
           </a:solidFill>
-          <a:latin typeface="微软雅黑" pitchFamily="34" charset="-122"/>
-          <a:ea typeface="微软雅黑" pitchFamily="34" charset="-122"/>
+          <a:latin typeface="微软雅黑" panose="020B0503020204020204" pitchFamily="34" charset="-122"/>
+          <a:ea typeface="微软雅黑" panose="020B0503020204020204" pitchFamily="34" charset="-122"/>
           <a:cs typeface="微软雅黑" panose="020B0503020204020204" pitchFamily="34" charset="-122"/>
         </a:defRPr>
       </a:lvl3pPr>
@@ -2057,8 +1962,8 @@
           <a:solidFill>
             <a:schemeClr val="tx2"/>
           </a:solidFill>
-          <a:latin typeface="微软雅黑" pitchFamily="34" charset="-122"/>
-          <a:ea typeface="微软雅黑" pitchFamily="34" charset="-122"/>
+          <a:latin typeface="微软雅黑" panose="020B0503020204020204" pitchFamily="34" charset="-122"/>
+          <a:ea typeface="微软雅黑" panose="020B0503020204020204" pitchFamily="34" charset="-122"/>
           <a:cs typeface="微软雅黑" panose="020B0503020204020204" pitchFamily="34" charset="-122"/>
         </a:defRPr>
       </a:lvl4pPr>
@@ -2073,8 +1978,8 @@
           <a:solidFill>
             <a:schemeClr val="tx2"/>
           </a:solidFill>
-          <a:latin typeface="微软雅黑" pitchFamily="34" charset="-122"/>
-          <a:ea typeface="微软雅黑" pitchFamily="34" charset="-122"/>
+          <a:latin typeface="微软雅黑" panose="020B0503020204020204" pitchFamily="34" charset="-122"/>
+          <a:ea typeface="微软雅黑" panose="020B0503020204020204" pitchFamily="34" charset="-122"/>
           <a:cs typeface="微软雅黑" panose="020B0503020204020204" pitchFamily="34" charset="-122"/>
         </a:defRPr>
       </a:lvl5pPr>
@@ -2089,7 +1994,7 @@
           <a:solidFill>
             <a:schemeClr val="tx2"/>
           </a:solidFill>
-          <a:latin typeface="Arial" pitchFamily="34" charset="0"/>
+          <a:latin typeface="Arial" panose="020B0604020202020204" pitchFamily="34" charset="0"/>
         </a:defRPr>
       </a:lvl6pPr>
       <a:lvl7pPr marL="914400" algn="l" rtl="0" eaLnBrk="0" fontAlgn="base" hangingPunct="0">
@@ -2103,7 +2008,7 @@
           <a:solidFill>
             <a:schemeClr val="tx2"/>
           </a:solidFill>
-          <a:latin typeface="Arial" pitchFamily="34" charset="0"/>
+          <a:latin typeface="Arial" panose="020B0604020202020204" pitchFamily="34" charset="0"/>
         </a:defRPr>
       </a:lvl7pPr>
       <a:lvl8pPr marL="1371600" algn="l" rtl="0" eaLnBrk="0" fontAlgn="base" hangingPunct="0">
@@ -2117,7 +2022,7 @@
           <a:solidFill>
             <a:schemeClr val="tx2"/>
           </a:solidFill>
-          <a:latin typeface="Arial" pitchFamily="34" charset="0"/>
+          <a:latin typeface="Arial" panose="020B0604020202020204" pitchFamily="34" charset="0"/>
         </a:defRPr>
       </a:lvl8pPr>
       <a:lvl9pPr marL="1828800" algn="l" rtl="0" eaLnBrk="0" fontAlgn="base" hangingPunct="0">
@@ -2131,12 +2036,12 @@
           <a:solidFill>
             <a:schemeClr val="tx2"/>
           </a:solidFill>
-          <a:latin typeface="Arial" pitchFamily="34" charset="0"/>
+          <a:latin typeface="Arial" panose="020B0604020202020204" pitchFamily="34" charset="0"/>
         </a:defRPr>
       </a:lvl9pPr>
     </p:titleStyle>
     <p:bodyStyle>
-      <a:lvl1pPr marL="166688" indent="-166688" algn="l" defTabSz="0" rtl="0" eaLnBrk="0" fontAlgn="base" hangingPunct="0">
+      <a:lvl1pPr marL="167005" indent="-167005" algn="l" defTabSz="0" rtl="0" eaLnBrk="0" fontAlgn="base" hangingPunct="0">
         <a:spcBef>
           <a:spcPct val="0"/>
         </a:spcBef>
@@ -2152,12 +2057,12 @@
           <a:solidFill>
             <a:srgbClr val="006F53"/>
           </a:solidFill>
-          <a:latin typeface="微软雅黑" pitchFamily="34" charset="-122"/>
-          <a:ea typeface="微软雅黑" pitchFamily="34" charset="-122"/>
+          <a:latin typeface="微软雅黑" panose="020B0503020204020204" pitchFamily="34" charset="-122"/>
+          <a:ea typeface="微软雅黑" panose="020B0503020204020204" pitchFamily="34" charset="-122"/>
           <a:cs typeface="微软雅黑" panose="020B0503020204020204" pitchFamily="34" charset="-122"/>
         </a:defRPr>
       </a:lvl1pPr>
-      <a:lvl2pPr marL="398463" indent="-230188" algn="l" defTabSz="0" rtl="0" eaLnBrk="0" fontAlgn="base" hangingPunct="0">
+      <a:lvl2pPr marL="398780" indent="-230505" algn="l" defTabSz="0" rtl="0" eaLnBrk="0" fontAlgn="base" hangingPunct="0">
         <a:spcBef>
           <a:spcPct val="0"/>
         </a:spcBef>
@@ -2173,12 +2078,12 @@
           <a:solidFill>
             <a:schemeClr val="bg2"/>
           </a:solidFill>
-          <a:latin typeface="微软雅黑" pitchFamily="34" charset="-122"/>
-          <a:ea typeface="微软雅黑" pitchFamily="34" charset="-122"/>
+          <a:latin typeface="微软雅黑" panose="020B0503020204020204" pitchFamily="34" charset="-122"/>
+          <a:ea typeface="微软雅黑" panose="020B0503020204020204" pitchFamily="34" charset="-122"/>
           <a:cs typeface="微软雅黑" panose="020B0503020204020204" pitchFamily="34" charset="-122"/>
         </a:defRPr>
       </a:lvl2pPr>
-      <a:lvl3pPr marL="400050" indent="182563" algn="l" defTabSz="0" rtl="0" eaLnBrk="0" fontAlgn="base" hangingPunct="0">
+      <a:lvl3pPr marL="400050" indent="182880" algn="l" defTabSz="0" rtl="0" eaLnBrk="0" fontAlgn="base" hangingPunct="0">
         <a:spcBef>
           <a:spcPct val="0"/>
         </a:spcBef>
@@ -2194,8 +2099,8 @@
           <a:solidFill>
             <a:schemeClr val="bg2"/>
           </a:solidFill>
-          <a:latin typeface="微软雅黑" pitchFamily="34" charset="-122"/>
-          <a:ea typeface="微软雅黑" pitchFamily="34" charset="-122"/>
+          <a:latin typeface="微软雅黑" panose="020B0503020204020204" pitchFamily="34" charset="-122"/>
+          <a:ea typeface="微软雅黑" panose="020B0503020204020204" pitchFamily="34" charset="-122"/>
           <a:cs typeface="微软雅黑" panose="020B0503020204020204" pitchFamily="34" charset="-122"/>
         </a:defRPr>
       </a:lvl3pPr>
@@ -2215,8 +2120,8 @@
           <a:solidFill>
             <a:schemeClr val="bg2"/>
           </a:solidFill>
-          <a:latin typeface="微软雅黑" pitchFamily="34" charset="-122"/>
-          <a:ea typeface="微软雅黑" pitchFamily="34" charset="-122"/>
+          <a:latin typeface="微软雅黑" panose="020B0503020204020204" pitchFamily="34" charset="-122"/>
+          <a:ea typeface="微软雅黑" panose="020B0503020204020204" pitchFamily="34" charset="-122"/>
           <a:cs typeface="微软雅黑" panose="020B0503020204020204" pitchFamily="34" charset="-122"/>
         </a:defRPr>
       </a:lvl4pPr>
@@ -2237,7 +2142,7 @@
             <a:schemeClr val="tx1"/>
           </a:solidFill>
           <a:latin typeface="+mn-lt"/>
-          <a:ea typeface="微软雅黑" pitchFamily="34" charset="-122"/>
+          <a:ea typeface="微软雅黑" panose="020B0503020204020204" pitchFamily="34" charset="-122"/>
           <a:cs typeface="微软雅黑" panose="020B0503020204020204" pitchFamily="34" charset="-122"/>
         </a:defRPr>
       </a:lvl5pPr>
@@ -2251,7 +2156,7 @@
         <a:buClr>
           <a:schemeClr val="tx2"/>
         </a:buClr>
-        <a:buFont typeface="Arial" pitchFamily="34" charset="0"/>
+        <a:buFont typeface="Arial" panose="020B0604020202020204" pitchFamily="34" charset="0"/>
         <a:buChar char="–"/>
         <a:defRPr>
           <a:solidFill>
@@ -2270,7 +2175,7 @@
         <a:buClr>
           <a:schemeClr val="tx2"/>
         </a:buClr>
-        <a:buFont typeface="Arial" pitchFamily="34" charset="0"/>
+        <a:buFont typeface="Arial" panose="020B0604020202020204" pitchFamily="34" charset="0"/>
         <a:buChar char="–"/>
         <a:defRPr>
           <a:solidFill>
@@ -2289,7 +2194,7 @@
         <a:buClr>
           <a:schemeClr val="tx2"/>
         </a:buClr>
-        <a:buFont typeface="Arial" pitchFamily="34" charset="0"/>
+        <a:buFont typeface="Arial" panose="020B0604020202020204" pitchFamily="34" charset="0"/>
         <a:buChar char="–"/>
         <a:defRPr>
           <a:solidFill>
@@ -2308,7 +2213,7 @@
         <a:buClr>
           <a:schemeClr val="tx2"/>
         </a:buClr>
-        <a:buFont typeface="Arial" pitchFamily="34" charset="0"/>
+        <a:buFont typeface="Arial" panose="020B0604020202020204" pitchFamily="34" charset="0"/>
         <a:buChar char="–"/>
         <a:defRPr>
           <a:solidFill>
@@ -2838,17 +2743,12 @@
           <a:solidFill>
             <a:schemeClr val="bg1"/>
           </a:solidFill>
-          <a:extLst/>
         </p:spPr>
         <p:txBody>
-          <a:bodyPr vert="horz" wrap="square" lIns="91440" tIns="45720" rIns="91440" bIns="45720" numCol="1" anchor="t" anchorCtr="0" compatLnSpc="1">
-            <a:prstTxWarp prst="textNoShape">
-              <a:avLst/>
-            </a:prstTxWarp>
-          </a:bodyPr>
+          <a:bodyPr vert="horz" wrap="square" lIns="91440" tIns="45720" rIns="91440" bIns="45720" numCol="1" anchor="t" anchorCtr="0" compatLnSpc="1"/>
           <a:lstStyle/>
           <a:p>
-            <a:pPr marL="360000"/>
+            <a:pPr marL="360045"/>
             <a:r>
               <a:rPr lang="en-US" altLang="zh-CN" dirty="0"/>
               <a:t> </a:t>
@@ -2867,7 +2767,7 @@
             </a:endParaRPr>
           </a:p>
           <a:p>
-            <a:pPr marL="591775" lvl="1"/>
+            <a:pPr marL="591820" lvl="1"/>
             <a:r>
               <a:rPr lang="zh-CN" altLang="en-US" dirty="0" smtClean="0"/>
               <a:t> </a:t>
@@ -2903,7 +2803,7 @@
             <a:endParaRPr lang="en-US" altLang="zh-CN" dirty="0" smtClean="0"/>
           </a:p>
           <a:p>
-            <a:pPr marL="591775" lvl="1"/>
+            <a:pPr marL="591820" lvl="1"/>
             <a:r>
               <a:rPr lang="en-US" altLang="zh-CN" dirty="0"/>
               <a:t> </a:t>
@@ -2955,7 +2855,7 @@
             <a:endParaRPr lang="en-US" altLang="zh-CN" dirty="0" smtClean="0"/>
           </a:p>
           <a:p>
-            <a:pPr marL="591775" lvl="1"/>
+            <a:pPr marL="591820" lvl="1"/>
             <a:r>
               <a:rPr lang="zh-CN" altLang="en-US" dirty="0" smtClean="0"/>
               <a:t> 注入</a:t>
@@ -2967,7 +2867,7 @@
             <a:endParaRPr lang="en-US" altLang="zh-CN" dirty="0" smtClean="0"/>
           </a:p>
           <a:p>
-            <a:pPr marL="593362" lvl="2"/>
+            <a:pPr marL="593090" lvl="2"/>
             <a:r>
               <a:rPr lang="en-US" altLang="zh-CN" dirty="0" smtClean="0"/>
               <a:t> </a:t>
@@ -2990,7 +2890,7 @@
             </a:r>
           </a:p>
           <a:p>
-            <a:pPr marL="593362" lvl="2"/>
+            <a:pPr marL="593090" lvl="2"/>
             <a:r>
               <a:rPr lang="en-US" altLang="zh-CN" dirty="0"/>
               <a:t> </a:t>
@@ -3058,11 +2958,7 @@
           </a:extLst>
         </p:spPr>
         <p:txBody>
-          <a:bodyPr vert="horz" wrap="square" lIns="91440" tIns="45720" rIns="91440" bIns="45720" numCol="1" anchor="t" anchorCtr="0" compatLnSpc="1">
-            <a:prstTxWarp prst="textNoShape">
-              <a:avLst/>
-            </a:prstTxWarp>
-          </a:bodyPr>
+          <a:bodyPr vert="horz" wrap="square" lIns="91440" tIns="45720" rIns="91440" bIns="45720" numCol="1" anchor="t" anchorCtr="0" compatLnSpc="1"/>
           <a:lstStyle/>
           <a:p>
             <a:pPr>
@@ -3079,11 +2975,6 @@
         </p:txBody>
       </p:sp>
     </p:spTree>
-    <p:extLst>
-      <p:ext uri="{BB962C8B-B14F-4D97-AF65-F5344CB8AC3E}">
-        <p14:creationId xmlns:p14="http://schemas.microsoft.com/office/powerpoint/2010/main" val="726447295"/>
-      </p:ext>
-    </p:extLst>
   </p:cSld>
   <p:clrMapOvr>
     <a:masterClrMapping/>
@@ -3429,17 +3320,12 @@
           <a:solidFill>
             <a:schemeClr val="bg1"/>
           </a:solidFill>
-          <a:extLst/>
         </p:spPr>
         <p:txBody>
-          <a:bodyPr vert="horz" wrap="square" lIns="91440" tIns="45720" rIns="91440" bIns="45720" numCol="1" anchor="t" anchorCtr="0" compatLnSpc="1">
-            <a:prstTxWarp prst="textNoShape">
-              <a:avLst/>
-            </a:prstTxWarp>
-          </a:bodyPr>
+          <a:bodyPr vert="horz" wrap="square" lIns="91440" tIns="45720" rIns="91440" bIns="45720" numCol="1" anchor="t" anchorCtr="0" compatLnSpc="1"/>
           <a:lstStyle/>
           <a:p>
-            <a:pPr marL="360000"/>
+            <a:pPr marL="360045"/>
             <a:r>
               <a:rPr lang="en-US" altLang="zh-CN" dirty="0"/>
               <a:t> </a:t>
@@ -3462,7 +3348,7 @@
             </a:endParaRPr>
           </a:p>
           <a:p>
-            <a:pPr marL="591775" lvl="1"/>
+            <a:pPr marL="591820" lvl="1"/>
             <a:r>
               <a:rPr lang="zh-CN" altLang="en-US" dirty="0" smtClean="0"/>
               <a:t> </a:t>
@@ -3485,11 +3371,7 @@
             </a:r>
             <a:r>
               <a:rPr lang="en-US" altLang="zh-CN" smtClean="0"/>
-              <a:t> </a:t>
-            </a:r>
-            <a:r>
-              <a:rPr lang="en-US" altLang="zh-CN" smtClean="0"/>
-              <a:t>)  </a:t>
+              <a:t> )  </a:t>
             </a:r>
             <a:r>
               <a:rPr lang="en-US" altLang="zh-CN" dirty="0"/>
@@ -3502,7 +3384,7 @@
             <a:endParaRPr lang="en-US" altLang="zh-CN" dirty="0" smtClean="0"/>
           </a:p>
           <a:p>
-            <a:pPr marL="593362" lvl="2"/>
+            <a:pPr marL="593090" lvl="2"/>
             <a:r>
               <a:rPr lang="en-US" altLang="zh-CN" dirty="0"/>
               <a:t> </a:t>
@@ -3526,7 +3408,7 @@
             <a:endParaRPr lang="en-US" altLang="zh-CN" dirty="0" smtClean="0"/>
           </a:p>
           <a:p>
-            <a:pPr marL="593362" lvl="2"/>
+            <a:pPr marL="593090" lvl="2"/>
             <a:r>
               <a:rPr lang="en-US" altLang="zh-CN" dirty="0"/>
               <a:t> </a:t>
@@ -3554,7 +3436,7 @@
             <a:endParaRPr lang="en-US" altLang="zh-CN" dirty="0" smtClean="0"/>
           </a:p>
           <a:p>
-            <a:pPr marL="591775" lvl="1"/>
+            <a:pPr marL="591820" lvl="1"/>
             <a:r>
               <a:rPr lang="en-US" altLang="zh-CN" dirty="0" smtClean="0"/>
               <a:t> pop -- </a:t>
@@ -3570,7 +3452,7 @@
             <a:endParaRPr lang="en-US" altLang="zh-CN" dirty="0" smtClean="0"/>
           </a:p>
           <a:p>
-            <a:pPr marL="360000"/>
+            <a:pPr marL="360045"/>
             <a:r>
               <a:rPr lang="en-US" altLang="zh-CN" dirty="0" smtClean="0"/>
               <a:t> </a:t>
@@ -3582,7 +3464,7 @@
             <a:endParaRPr lang="en-US" altLang="zh-CN" dirty="0" smtClean="0"/>
           </a:p>
           <a:p>
-            <a:pPr marL="591775" lvl="1"/>
+            <a:pPr marL="591820" lvl="1"/>
             <a:r>
               <a:rPr lang="en-US" altLang="zh-CN" dirty="0"/>
               <a:t> </a:t>
@@ -3625,7 +3507,7 @@
             </a:r>
           </a:p>
           <a:p>
-            <a:pPr marL="591775" lvl="1"/>
+            <a:pPr marL="591820" lvl="1"/>
             <a:r>
               <a:rPr lang="en-US" altLang="zh-CN" dirty="0"/>
               <a:t> </a:t>
@@ -3678,11 +3560,7 @@
           </a:extLst>
         </p:spPr>
         <p:txBody>
-          <a:bodyPr vert="horz" wrap="square" lIns="91440" tIns="45720" rIns="91440" bIns="45720" numCol="1" anchor="t" anchorCtr="0" compatLnSpc="1">
-            <a:prstTxWarp prst="textNoShape">
-              <a:avLst/>
-            </a:prstTxWarp>
-          </a:bodyPr>
+          <a:bodyPr vert="horz" wrap="square" lIns="91440" tIns="45720" rIns="91440" bIns="45720" numCol="1" anchor="t" anchorCtr="0" compatLnSpc="1"/>
           <a:lstStyle/>
           <a:p>
             <a:pPr>
@@ -3699,11 +3577,6 @@
         </p:txBody>
       </p:sp>
     </p:spTree>
-    <p:extLst>
-      <p:ext uri="{BB962C8B-B14F-4D97-AF65-F5344CB8AC3E}">
-        <p14:creationId xmlns:p14="http://schemas.microsoft.com/office/powerpoint/2010/main" val="3186018172"/>
-      </p:ext>
-    </p:extLst>
   </p:cSld>
   <p:clrMapOvr>
     <a:masterClrMapping/>
@@ -4424,8 +4297,6 @@
             </a:solidFill>
             <a:prstDash val="sysDot"/>
             <a:round/>
-            <a:headEnd/>
-            <a:tailEnd/>
           </a:ln>
           <a:extLst>
             <a:ext uri="{909E8E84-426E-40DD-AFC4-6F175D3DCCD1}">
@@ -4691,17 +4562,12 @@
           <a:solidFill>
             <a:schemeClr val="bg1"/>
           </a:solidFill>
-          <a:extLst/>
         </p:spPr>
         <p:txBody>
-          <a:bodyPr vert="horz" wrap="square" lIns="91440" tIns="45720" rIns="91440" bIns="45720" numCol="1" anchor="t" anchorCtr="0" compatLnSpc="1">
-            <a:prstTxWarp prst="textNoShape">
-              <a:avLst/>
-            </a:prstTxWarp>
-          </a:bodyPr>
+          <a:bodyPr vert="horz" wrap="square" lIns="91440" tIns="45720" rIns="91440" bIns="45720" numCol="1" anchor="t" anchorCtr="0" compatLnSpc="1"/>
           <a:lstStyle/>
           <a:p>
-            <a:pPr marL="360000"/>
+            <a:pPr marL="360045"/>
             <a:r>
               <a:rPr lang="zh-CN" altLang="en-US" dirty="0" smtClean="0"/>
               <a:t> 环境搭建</a:t>
@@ -4709,7 +4575,7 @@
             <a:endParaRPr lang="en-US" altLang="zh-CN" dirty="0" smtClean="0"/>
           </a:p>
           <a:p>
-            <a:pPr marL="591775" lvl="1"/>
+            <a:pPr marL="591820" lvl="1"/>
             <a:r>
               <a:rPr lang="en-US" altLang="zh-CN" dirty="0" smtClean="0"/>
               <a:t> </a:t>
@@ -4736,7 +4602,7 @@
             </a:r>
           </a:p>
           <a:p>
-            <a:pPr marL="360000"/>
+            <a:pPr marL="360045"/>
             <a:r>
               <a:rPr lang="zh-CN" altLang="en-US" sz="2800" dirty="0" smtClean="0"/>
               <a:t> 项目创建</a:t>
@@ -4747,7 +4613,7 @@
             </a:r>
           </a:p>
           <a:p>
-            <a:pPr marL="591775" lvl="1"/>
+            <a:pPr marL="591820" lvl="1"/>
             <a:r>
               <a:rPr lang="en-US" altLang="zh-CN" sz="2400" dirty="0" smtClean="0"/>
               <a:t> </a:t>
@@ -4795,7 +4661,7 @@
             <a:endParaRPr lang="en-US" altLang="zh-CN" sz="2400" dirty="0" smtClean="0"/>
           </a:p>
           <a:p>
-            <a:pPr marL="593362" lvl="2"/>
+            <a:pPr marL="593090" lvl="2"/>
             <a:r>
               <a:rPr lang="en-US" altLang="zh-CN" dirty="0" smtClean="0">
                 <a:latin typeface="+mn-ea"/>
@@ -4837,7 +4703,7 @@
             </a:endParaRPr>
           </a:p>
           <a:p>
-            <a:pPr marL="593362" lvl="2"/>
+            <a:pPr marL="593090" lvl="2"/>
             <a:r>
               <a:rPr lang="en-US" altLang="zh-CN" dirty="0" smtClean="0">
                 <a:latin typeface="+mn-ea"/>
@@ -4858,7 +4724,7 @@
             </a:endParaRPr>
           </a:p>
           <a:p>
-            <a:pPr marL="593362" lvl="2"/>
+            <a:pPr marL="593090" lvl="2"/>
             <a:r>
               <a:rPr lang="en-US" altLang="zh-CN" dirty="0" smtClean="0">
                 <a:latin typeface="+mn-ea"/>
@@ -4893,7 +4759,7 @@
             </a:endParaRPr>
           </a:p>
           <a:p>
-            <a:pPr marL="361587" lvl="1" indent="0">
+            <a:pPr marL="361315" lvl="1" indent="0">
               <a:buNone/>
             </a:pPr>
             <a:endParaRPr lang="zh-CN" altLang="en-US" dirty="0">
@@ -4939,11 +4805,7 @@
           </a:extLst>
         </p:spPr>
         <p:txBody>
-          <a:bodyPr vert="horz" wrap="square" lIns="91440" tIns="45720" rIns="91440" bIns="45720" numCol="1" anchor="t" anchorCtr="0" compatLnSpc="1">
-            <a:prstTxWarp prst="textNoShape">
-              <a:avLst/>
-            </a:prstTxWarp>
-          </a:bodyPr>
+          <a:bodyPr vert="horz" wrap="square" lIns="91440" tIns="45720" rIns="91440" bIns="45720" numCol="1" anchor="t" anchorCtr="0" compatLnSpc="1"/>
           <a:lstStyle/>
           <a:p>
             <a:pPr>
@@ -5524,17 +5386,12 @@
           <a:solidFill>
             <a:schemeClr val="bg1"/>
           </a:solidFill>
-          <a:extLst/>
         </p:spPr>
         <p:txBody>
-          <a:bodyPr vert="horz" wrap="square" lIns="91440" tIns="45720" rIns="91440" bIns="45720" numCol="1" anchor="t" anchorCtr="0" compatLnSpc="1">
-            <a:prstTxWarp prst="textNoShape">
-              <a:avLst/>
-            </a:prstTxWarp>
-          </a:bodyPr>
+          <a:bodyPr vert="horz" wrap="square" lIns="91440" tIns="45720" rIns="91440" bIns="45720" numCol="1" anchor="t" anchorCtr="0" compatLnSpc="1"/>
           <a:lstStyle/>
           <a:p>
-            <a:pPr marL="360000"/>
+            <a:pPr marL="360045"/>
             <a:r>
               <a:rPr lang="zh-CN" altLang="en-US" dirty="0" smtClean="0"/>
               <a:t> 项目启动</a:t>
@@ -5542,7 +5399,7 @@
             <a:endParaRPr lang="en-US" altLang="zh-CN" dirty="0" smtClean="0"/>
           </a:p>
           <a:p>
-            <a:pPr marL="591775" lvl="1"/>
+            <a:pPr marL="591820" lvl="1"/>
             <a:r>
               <a:rPr lang="en-US" altLang="zh-CN" dirty="0"/>
               <a:t> </a:t>
@@ -5558,7 +5415,7 @@
             <a:endParaRPr lang="en-US" altLang="zh-CN" dirty="0"/>
           </a:p>
           <a:p>
-            <a:pPr marL="360000"/>
+            <a:pPr marL="360045"/>
             <a:r>
               <a:rPr lang="zh-CN" altLang="en-US" sz="2800" dirty="0" smtClean="0"/>
               <a:t> 目录结构分析</a:t>
@@ -5569,7 +5426,7 @@
             </a:r>
           </a:p>
           <a:p>
-            <a:pPr marL="591775" lvl="1"/>
+            <a:pPr marL="591820" lvl="1"/>
             <a:r>
               <a:rPr lang="en-US" altLang="zh-CN" sz="2400" dirty="0" smtClean="0"/>
               <a:t>  </a:t>
@@ -5601,7 +5458,7 @@
             <a:endParaRPr lang="en-US" altLang="zh-CN" dirty="0" smtClean="0"/>
           </a:p>
           <a:p>
-            <a:pPr marL="591775" lvl="1"/>
+            <a:pPr marL="591820" lvl="1"/>
             <a:r>
               <a:rPr lang="en-US" altLang="zh-CN" dirty="0">
                 <a:latin typeface="+mn-ea"/>
@@ -5647,7 +5504,7 @@
             <a:endParaRPr lang="en-US" altLang="zh-CN" dirty="0" smtClean="0"/>
           </a:p>
           <a:p>
-            <a:pPr marL="591775" lvl="1"/>
+            <a:pPr marL="591820" lvl="1"/>
             <a:r>
               <a:rPr lang="en-US" altLang="zh-CN" dirty="0">
                 <a:latin typeface="+mn-ea"/>
@@ -5689,7 +5546,7 @@
             <a:endParaRPr lang="en-US" altLang="zh-CN" dirty="0" smtClean="0"/>
           </a:p>
           <a:p>
-            <a:pPr marL="591775" lvl="1"/>
+            <a:pPr marL="591820" lvl="1"/>
             <a:r>
               <a:rPr lang="en-US" altLang="zh-CN" dirty="0">
                 <a:latin typeface="+mn-ea"/>
@@ -5739,7 +5596,7 @@
             <a:endParaRPr lang="en-US" altLang="zh-CN" dirty="0" smtClean="0"/>
           </a:p>
           <a:p>
-            <a:pPr marL="591775" lvl="1"/>
+            <a:pPr marL="591820" lvl="1"/>
             <a:r>
               <a:rPr lang="en-US" altLang="zh-CN" dirty="0">
                 <a:latin typeface="+mn-ea"/>
@@ -5805,11 +5662,7 @@
           </a:extLst>
         </p:spPr>
         <p:txBody>
-          <a:bodyPr vert="horz" wrap="square" lIns="91440" tIns="45720" rIns="91440" bIns="45720" numCol="1" anchor="t" anchorCtr="0" compatLnSpc="1">
-            <a:prstTxWarp prst="textNoShape">
-              <a:avLst/>
-            </a:prstTxWarp>
-          </a:bodyPr>
+          <a:bodyPr vert="horz" wrap="square" lIns="91440" tIns="45720" rIns="91440" bIns="45720" numCol="1" anchor="t" anchorCtr="0" compatLnSpc="1"/>
           <a:lstStyle/>
           <a:p>
             <a:pPr>
@@ -5833,11 +5686,6 @@
         </p:txBody>
       </p:sp>
     </p:spTree>
-    <p:extLst>
-      <p:ext uri="{BB962C8B-B14F-4D97-AF65-F5344CB8AC3E}">
-        <p14:creationId xmlns:p14="http://schemas.microsoft.com/office/powerpoint/2010/main" val="3891301300"/>
-      </p:ext>
-    </p:extLst>
   </p:cSld>
   <p:clrMapOvr>
     <a:masterClrMapping/>
@@ -6438,17 +6286,12 @@
           <a:solidFill>
             <a:schemeClr val="bg1"/>
           </a:solidFill>
-          <a:extLst/>
         </p:spPr>
         <p:txBody>
-          <a:bodyPr vert="horz" wrap="square" lIns="91440" tIns="45720" rIns="91440" bIns="45720" numCol="1" anchor="t" anchorCtr="0" compatLnSpc="1">
-            <a:prstTxWarp prst="textNoShape">
-              <a:avLst/>
-            </a:prstTxWarp>
-          </a:bodyPr>
+          <a:bodyPr vert="horz" wrap="square" lIns="91440" tIns="45720" rIns="91440" bIns="45720" numCol="1" anchor="t" anchorCtr="0" compatLnSpc="1"/>
           <a:lstStyle/>
           <a:p>
-            <a:pPr marL="360000"/>
+            <a:pPr marL="360045"/>
             <a:r>
               <a:rPr lang="zh-CN" altLang="en-US" sz="2800" dirty="0" smtClean="0"/>
               <a:t> 目录结构分析</a:t>
@@ -6459,7 +6302,7 @@
             </a:r>
           </a:p>
           <a:p>
-            <a:pPr marL="591775" lvl="1"/>
+            <a:pPr marL="591820" lvl="1"/>
             <a:r>
               <a:rPr lang="en-US" altLang="zh-CN" sz="2400" dirty="0" smtClean="0"/>
               <a:t>  </a:t>
@@ -6479,7 +6322,7 @@
             <a:endParaRPr lang="en-US" altLang="zh-CN" dirty="0" smtClean="0"/>
           </a:p>
           <a:p>
-            <a:pPr marL="593362" lvl="2"/>
+            <a:pPr marL="593090" lvl="2"/>
             <a:r>
               <a:rPr lang="en-US" altLang="zh-CN" dirty="0">
                 <a:latin typeface="+mn-ea"/>
@@ -6502,7 +6345,7 @@
             <a:endParaRPr lang="en-US" altLang="zh-CN" dirty="0" smtClean="0"/>
           </a:p>
           <a:p>
-            <a:pPr marL="593362" lvl="2"/>
+            <a:pPr marL="593090" lvl="2"/>
             <a:r>
               <a:rPr lang="en-US" altLang="zh-CN" dirty="0">
                 <a:latin typeface="+mn-ea"/>
@@ -6533,7 +6376,7 @@
             <a:endParaRPr lang="en-US" altLang="zh-CN" dirty="0" smtClean="0"/>
           </a:p>
           <a:p>
-            <a:pPr marL="593362" lvl="2"/>
+            <a:pPr marL="593090" lvl="2"/>
             <a:r>
               <a:rPr lang="en-US" altLang="zh-CN" dirty="0">
                 <a:latin typeface="+mn-ea"/>
@@ -6572,7 +6415,7 @@
             <a:endParaRPr lang="en-US" altLang="zh-CN" dirty="0" smtClean="0"/>
           </a:p>
           <a:p>
-            <a:pPr marL="593362" lvl="2"/>
+            <a:pPr marL="593090" lvl="2"/>
             <a:r>
               <a:rPr lang="en-US" altLang="zh-CN" dirty="0">
                 <a:latin typeface="+mn-ea"/>
@@ -6647,11 +6490,7 @@
           </a:extLst>
         </p:spPr>
         <p:txBody>
-          <a:bodyPr vert="horz" wrap="square" lIns="91440" tIns="45720" rIns="91440" bIns="45720" numCol="1" anchor="t" anchorCtr="0" compatLnSpc="1">
-            <a:prstTxWarp prst="textNoShape">
-              <a:avLst/>
-            </a:prstTxWarp>
-          </a:bodyPr>
+          <a:bodyPr vert="horz" wrap="square" lIns="91440" tIns="45720" rIns="91440" bIns="45720" numCol="1" anchor="t" anchorCtr="0" compatLnSpc="1"/>
           <a:lstStyle/>
           <a:p>
             <a:pPr>
@@ -6675,11 +6514,6 @@
         </p:txBody>
       </p:sp>
     </p:spTree>
-    <p:extLst>
-      <p:ext uri="{BB962C8B-B14F-4D97-AF65-F5344CB8AC3E}">
-        <p14:creationId xmlns:p14="http://schemas.microsoft.com/office/powerpoint/2010/main" val="600090781"/>
-      </p:ext>
-    </p:extLst>
   </p:cSld>
   <p:clrMapOvr>
     <a:masterClrMapping/>
@@ -6908,8 +6742,6 @@
             </a:solidFill>
             <a:prstDash val="sysDot"/>
             <a:round/>
-            <a:headEnd/>
-            <a:tailEnd/>
           </a:ln>
           <a:extLst>
             <a:ext uri="{909E8E84-426E-40DD-AFC4-6F175D3DCCD1}">
@@ -7108,11 +6940,6 @@
         </p:txBody>
       </p:sp>
     </p:spTree>
-    <p:extLst>
-      <p:ext uri="{BB962C8B-B14F-4D97-AF65-F5344CB8AC3E}">
-        <p14:creationId xmlns:p14="http://schemas.microsoft.com/office/powerpoint/2010/main" val="2049483784"/>
-      </p:ext>
-    </p:extLst>
   </p:cSld>
   <p:clrMapOvr>
     <a:masterClrMapping/>
@@ -7163,17 +6990,12 @@
           <a:solidFill>
             <a:schemeClr val="bg1"/>
           </a:solidFill>
-          <a:extLst/>
         </p:spPr>
         <p:txBody>
-          <a:bodyPr vert="horz" wrap="square" lIns="91440" tIns="45720" rIns="91440" bIns="45720" numCol="1" anchor="t" anchorCtr="0" compatLnSpc="1">
-            <a:prstTxWarp prst="textNoShape">
-              <a:avLst/>
-            </a:prstTxWarp>
-          </a:bodyPr>
+          <a:bodyPr vert="horz" wrap="square" lIns="91440" tIns="45720" rIns="91440" bIns="45720" numCol="1" anchor="t" anchorCtr="0" compatLnSpc="1"/>
           <a:lstStyle/>
           <a:p>
-            <a:pPr marL="360000"/>
+            <a:pPr marL="360045"/>
             <a:r>
               <a:rPr lang="zh-CN" altLang="en-US" dirty="0"/>
               <a:t> </a:t>
@@ -7192,7 +7014,7 @@
             </a:r>
           </a:p>
           <a:p>
-            <a:pPr marL="591775" lvl="1"/>
+            <a:pPr marL="591820" lvl="1"/>
             <a:r>
               <a:rPr lang="zh-CN" altLang="en-US" dirty="0" smtClean="0"/>
               <a:t> </a:t>
@@ -7224,7 +7046,7 @@
             <a:endParaRPr lang="en-US" altLang="zh-CN" dirty="0" smtClean="0"/>
           </a:p>
           <a:p>
-            <a:pPr marL="593362" lvl="2"/>
+            <a:pPr marL="593090" lvl="2"/>
             <a:r>
               <a:rPr lang="zh-CN" altLang="en-US" dirty="0" smtClean="0"/>
               <a:t> </a:t>
@@ -7252,7 +7074,7 @@
             <a:endParaRPr lang="en-US" altLang="zh-CN" dirty="0" smtClean="0"/>
           </a:p>
           <a:p>
-            <a:pPr marL="591775" lvl="1"/>
+            <a:pPr marL="591820" lvl="1"/>
             <a:r>
               <a:rPr lang="en-US" altLang="zh-CN" dirty="0"/>
               <a:t> </a:t>
@@ -7268,7 +7090,7 @@
             <a:endParaRPr lang="en-US" altLang="zh-CN" dirty="0" smtClean="0"/>
           </a:p>
           <a:p>
-            <a:pPr marL="593362" lvl="2"/>
+            <a:pPr marL="593090" lvl="2"/>
             <a:r>
               <a:rPr lang="en-US" altLang="zh-CN" dirty="0"/>
               <a:t> </a:t>
@@ -7292,7 +7114,7 @@
             <a:endParaRPr lang="en-US" altLang="zh-CN" dirty="0" smtClean="0"/>
           </a:p>
           <a:p>
-            <a:pPr marL="593362" lvl="2"/>
+            <a:pPr marL="593090" lvl="2"/>
             <a:r>
               <a:rPr lang="en-US" altLang="zh-CN" dirty="0"/>
               <a:t> </a:t>
@@ -7320,7 +7142,7 @@
             <a:endParaRPr lang="en-US" altLang="zh-CN" dirty="0" smtClean="0"/>
           </a:p>
           <a:p>
-            <a:pPr marL="593362" lvl="2"/>
+            <a:pPr marL="593090" lvl="2"/>
             <a:r>
               <a:rPr lang="en-US" altLang="zh-CN" dirty="0"/>
               <a:t> </a:t>
@@ -7381,11 +7203,7 @@
           </a:extLst>
         </p:spPr>
         <p:txBody>
-          <a:bodyPr vert="horz" wrap="square" lIns="91440" tIns="45720" rIns="91440" bIns="45720" numCol="1" anchor="t" anchorCtr="0" compatLnSpc="1">
-            <a:prstTxWarp prst="textNoShape">
-              <a:avLst/>
-            </a:prstTxWarp>
-          </a:bodyPr>
+          <a:bodyPr vert="horz" wrap="square" lIns="91440" tIns="45720" rIns="91440" bIns="45720" numCol="1" anchor="t" anchorCtr="0" compatLnSpc="1"/>
           <a:lstStyle/>
           <a:p>
             <a:pPr>
@@ -7402,11 +7220,6 @@
         </p:txBody>
       </p:sp>
     </p:spTree>
-    <p:extLst>
-      <p:ext uri="{BB962C8B-B14F-4D97-AF65-F5344CB8AC3E}">
-        <p14:creationId xmlns:p14="http://schemas.microsoft.com/office/powerpoint/2010/main" val="1833356726"/>
-      </p:ext>
-    </p:extLst>
   </p:cSld>
   <p:clrMapOvr>
     <a:masterClrMapping/>
@@ -7414,7 +7227,388 @@
   <p:timing>
     <p:tnLst>
       <p:par>
-        <p:cTn id="1" dur="indefinite" restart="never" nodeType="tmRoot"/>
+        <p:cTn id="1" dur="indefinite" restart="never" nodeType="tmRoot">
+          <p:childTnLst>
+            <p:seq concurrent="1" nextAc="seek">
+              <p:cTn id="2" dur="indefinite" nodeType="mainSeq">
+                <p:childTnLst>
+                  <p:par>
+                    <p:cTn id="3" fill="hold">
+                      <p:stCondLst>
+                        <p:cond delay="indefinite"/>
+                      </p:stCondLst>
+                      <p:childTnLst>
+                        <p:par>
+                          <p:cTn id="4" fill="hold">
+                            <p:stCondLst>
+                              <p:cond delay="0"/>
+                            </p:stCondLst>
+                            <p:childTnLst>
+                              <p:par>
+                                <p:cTn id="5" presetID="2" presetClass="entr" presetSubtype="4" fill="hold" nodeType="clickEffect">
+                                  <p:stCondLst>
+                                    <p:cond delay="0"/>
+                                  </p:stCondLst>
+                                  <p:childTnLst>
+                                    <p:set>
+                                      <p:cBhvr>
+                                        <p:cTn id="6" dur="1" fill="hold">
+                                          <p:stCondLst>
+                                            <p:cond delay="0"/>
+                                          </p:stCondLst>
+                                        </p:cTn>
+                                        <p:tgtEl>
+                                          <p:spTgt spid="30722">
+                                            <p:txEl>
+                                              <p:pRg st="3" end="3"/>
+                                            </p:txEl>
+                                          </p:spTgt>
+                                        </p:tgtEl>
+                                        <p:attrNameLst>
+                                          <p:attrName>style.visibility</p:attrName>
+                                        </p:attrNameLst>
+                                      </p:cBhvr>
+                                      <p:to>
+                                        <p:strVal val="visible"/>
+                                      </p:to>
+                                    </p:set>
+                                    <p:anim calcmode="lin" valueType="num">
+                                      <p:cBhvr additive="base">
+                                        <p:cTn id="7" dur="500" fill="hold"/>
+                                        <p:tgtEl>
+                                          <p:spTgt spid="30722">
+                                            <p:txEl>
+                                              <p:pRg st="3" end="3"/>
+                                            </p:txEl>
+                                          </p:spTgt>
+                                        </p:tgtEl>
+                                        <p:attrNameLst>
+                                          <p:attrName>ppt_x</p:attrName>
+                                        </p:attrNameLst>
+                                      </p:cBhvr>
+                                      <p:tavLst>
+                                        <p:tav tm="0">
+                                          <p:val>
+                                            <p:strVal val="#ppt_x"/>
+                                          </p:val>
+                                        </p:tav>
+                                        <p:tav tm="100000">
+                                          <p:val>
+                                            <p:strVal val="#ppt_x"/>
+                                          </p:val>
+                                        </p:tav>
+                                      </p:tavLst>
+                                    </p:anim>
+                                    <p:anim calcmode="lin" valueType="num">
+                                      <p:cBhvr additive="base">
+                                        <p:cTn id="8" dur="500" fill="hold"/>
+                                        <p:tgtEl>
+                                          <p:spTgt spid="30722">
+                                            <p:txEl>
+                                              <p:pRg st="3" end="3"/>
+                                            </p:txEl>
+                                          </p:spTgt>
+                                        </p:tgtEl>
+                                        <p:attrNameLst>
+                                          <p:attrName>ppt_y</p:attrName>
+                                        </p:attrNameLst>
+                                      </p:cBhvr>
+                                      <p:tavLst>
+                                        <p:tav tm="0">
+                                          <p:val>
+                                            <p:strVal val="1+#ppt_h/2"/>
+                                          </p:val>
+                                        </p:tav>
+                                        <p:tav tm="100000">
+                                          <p:val>
+                                            <p:strVal val="#ppt_y"/>
+                                          </p:val>
+                                        </p:tav>
+                                      </p:tavLst>
+                                    </p:anim>
+                                  </p:childTnLst>
+                                </p:cTn>
+                              </p:par>
+                              <p:par>
+                                <p:cTn id="9" presetID="2" presetClass="entr" presetSubtype="4" fill="hold" nodeType="withEffect">
+                                  <p:stCondLst>
+                                    <p:cond delay="0"/>
+                                  </p:stCondLst>
+                                  <p:childTnLst>
+                                    <p:set>
+                                      <p:cBhvr>
+                                        <p:cTn id="10" dur="1" fill="hold">
+                                          <p:stCondLst>
+                                            <p:cond delay="0"/>
+                                          </p:stCondLst>
+                                        </p:cTn>
+                                        <p:tgtEl>
+                                          <p:spTgt spid="30722">
+                                            <p:txEl>
+                                              <p:pRg st="4" end="4"/>
+                                            </p:txEl>
+                                          </p:spTgt>
+                                        </p:tgtEl>
+                                        <p:attrNameLst>
+                                          <p:attrName>style.visibility</p:attrName>
+                                        </p:attrNameLst>
+                                      </p:cBhvr>
+                                      <p:to>
+                                        <p:strVal val="visible"/>
+                                      </p:to>
+                                    </p:set>
+                                    <p:anim calcmode="lin" valueType="num">
+                                      <p:cBhvr additive="base">
+                                        <p:cTn id="11" dur="500" fill="hold"/>
+                                        <p:tgtEl>
+                                          <p:spTgt spid="30722">
+                                            <p:txEl>
+                                              <p:pRg st="4" end="4"/>
+                                            </p:txEl>
+                                          </p:spTgt>
+                                        </p:tgtEl>
+                                        <p:attrNameLst>
+                                          <p:attrName>ppt_x</p:attrName>
+                                        </p:attrNameLst>
+                                      </p:cBhvr>
+                                      <p:tavLst>
+                                        <p:tav tm="0">
+                                          <p:val>
+                                            <p:strVal val="#ppt_x"/>
+                                          </p:val>
+                                        </p:tav>
+                                        <p:tav tm="100000">
+                                          <p:val>
+                                            <p:strVal val="#ppt_x"/>
+                                          </p:val>
+                                        </p:tav>
+                                      </p:tavLst>
+                                    </p:anim>
+                                    <p:anim calcmode="lin" valueType="num">
+                                      <p:cBhvr additive="base">
+                                        <p:cTn id="12" dur="500" fill="hold"/>
+                                        <p:tgtEl>
+                                          <p:spTgt spid="30722">
+                                            <p:txEl>
+                                              <p:pRg st="4" end="4"/>
+                                            </p:txEl>
+                                          </p:spTgt>
+                                        </p:tgtEl>
+                                        <p:attrNameLst>
+                                          <p:attrName>ppt_y</p:attrName>
+                                        </p:attrNameLst>
+                                      </p:cBhvr>
+                                      <p:tavLst>
+                                        <p:tav tm="0">
+                                          <p:val>
+                                            <p:strVal val="1+#ppt_h/2"/>
+                                          </p:val>
+                                        </p:tav>
+                                        <p:tav tm="100000">
+                                          <p:val>
+                                            <p:strVal val="#ppt_y"/>
+                                          </p:val>
+                                        </p:tav>
+                                      </p:tavLst>
+                                    </p:anim>
+                                  </p:childTnLst>
+                                </p:cTn>
+                              </p:par>
+                              <p:par>
+                                <p:cTn id="13" presetID="2" presetClass="entr" presetSubtype="4" fill="hold" nodeType="withEffect">
+                                  <p:stCondLst>
+                                    <p:cond delay="0"/>
+                                  </p:stCondLst>
+                                  <p:childTnLst>
+                                    <p:set>
+                                      <p:cBhvr>
+                                        <p:cTn id="14" dur="1" fill="hold">
+                                          <p:stCondLst>
+                                            <p:cond delay="0"/>
+                                          </p:stCondLst>
+                                        </p:cTn>
+                                        <p:tgtEl>
+                                          <p:spTgt spid="30722">
+                                            <p:txEl>
+                                              <p:pRg st="5" end="5"/>
+                                            </p:txEl>
+                                          </p:spTgt>
+                                        </p:tgtEl>
+                                        <p:attrNameLst>
+                                          <p:attrName>style.visibility</p:attrName>
+                                        </p:attrNameLst>
+                                      </p:cBhvr>
+                                      <p:to>
+                                        <p:strVal val="visible"/>
+                                      </p:to>
+                                    </p:set>
+                                    <p:anim calcmode="lin" valueType="num">
+                                      <p:cBhvr additive="base">
+                                        <p:cTn id="15" dur="500" fill="hold"/>
+                                        <p:tgtEl>
+                                          <p:spTgt spid="30722">
+                                            <p:txEl>
+                                              <p:pRg st="5" end="5"/>
+                                            </p:txEl>
+                                          </p:spTgt>
+                                        </p:tgtEl>
+                                        <p:attrNameLst>
+                                          <p:attrName>ppt_x</p:attrName>
+                                        </p:attrNameLst>
+                                      </p:cBhvr>
+                                      <p:tavLst>
+                                        <p:tav tm="0">
+                                          <p:val>
+                                            <p:strVal val="#ppt_x"/>
+                                          </p:val>
+                                        </p:tav>
+                                        <p:tav tm="100000">
+                                          <p:val>
+                                            <p:strVal val="#ppt_x"/>
+                                          </p:val>
+                                        </p:tav>
+                                      </p:tavLst>
+                                    </p:anim>
+                                    <p:anim calcmode="lin" valueType="num">
+                                      <p:cBhvr additive="base">
+                                        <p:cTn id="16" dur="500" fill="hold"/>
+                                        <p:tgtEl>
+                                          <p:spTgt spid="30722">
+                                            <p:txEl>
+                                              <p:pRg st="5" end="5"/>
+                                            </p:txEl>
+                                          </p:spTgt>
+                                        </p:tgtEl>
+                                        <p:attrNameLst>
+                                          <p:attrName>ppt_y</p:attrName>
+                                        </p:attrNameLst>
+                                      </p:cBhvr>
+                                      <p:tavLst>
+                                        <p:tav tm="0">
+                                          <p:val>
+                                            <p:strVal val="1+#ppt_h/2"/>
+                                          </p:val>
+                                        </p:tav>
+                                        <p:tav tm="100000">
+                                          <p:val>
+                                            <p:strVal val="#ppt_y"/>
+                                          </p:val>
+                                        </p:tav>
+                                      </p:tavLst>
+                                    </p:anim>
+                                  </p:childTnLst>
+                                </p:cTn>
+                              </p:par>
+                              <p:par>
+                                <p:cTn id="17" presetID="2" presetClass="entr" presetSubtype="4" fill="hold" nodeType="withEffect">
+                                  <p:stCondLst>
+                                    <p:cond delay="0"/>
+                                  </p:stCondLst>
+                                  <p:childTnLst>
+                                    <p:set>
+                                      <p:cBhvr>
+                                        <p:cTn id="18" dur="1" fill="hold">
+                                          <p:stCondLst>
+                                            <p:cond delay="0"/>
+                                          </p:stCondLst>
+                                        </p:cTn>
+                                        <p:tgtEl>
+                                          <p:spTgt spid="30722">
+                                            <p:txEl>
+                                              <p:pRg st="6" end="6"/>
+                                            </p:txEl>
+                                          </p:spTgt>
+                                        </p:tgtEl>
+                                        <p:attrNameLst>
+                                          <p:attrName>style.visibility</p:attrName>
+                                        </p:attrNameLst>
+                                      </p:cBhvr>
+                                      <p:to>
+                                        <p:strVal val="visible"/>
+                                      </p:to>
+                                    </p:set>
+                                    <p:anim calcmode="lin" valueType="num">
+                                      <p:cBhvr additive="base">
+                                        <p:cTn id="19" dur="500" fill="hold"/>
+                                        <p:tgtEl>
+                                          <p:spTgt spid="30722">
+                                            <p:txEl>
+                                              <p:pRg st="6" end="6"/>
+                                            </p:txEl>
+                                          </p:spTgt>
+                                        </p:tgtEl>
+                                        <p:attrNameLst>
+                                          <p:attrName>ppt_x</p:attrName>
+                                        </p:attrNameLst>
+                                      </p:cBhvr>
+                                      <p:tavLst>
+                                        <p:tav tm="0">
+                                          <p:val>
+                                            <p:strVal val="#ppt_x"/>
+                                          </p:val>
+                                        </p:tav>
+                                        <p:tav tm="100000">
+                                          <p:val>
+                                            <p:strVal val="#ppt_x"/>
+                                          </p:val>
+                                        </p:tav>
+                                      </p:tavLst>
+                                    </p:anim>
+                                    <p:anim calcmode="lin" valueType="num">
+                                      <p:cBhvr additive="base">
+                                        <p:cTn id="20" dur="500" fill="hold"/>
+                                        <p:tgtEl>
+                                          <p:spTgt spid="30722">
+                                            <p:txEl>
+                                              <p:pRg st="6" end="6"/>
+                                            </p:txEl>
+                                          </p:spTgt>
+                                        </p:tgtEl>
+                                        <p:attrNameLst>
+                                          <p:attrName>ppt_y</p:attrName>
+                                        </p:attrNameLst>
+                                      </p:cBhvr>
+                                      <p:tavLst>
+                                        <p:tav tm="0">
+                                          <p:val>
+                                            <p:strVal val="1+#ppt_h/2"/>
+                                          </p:val>
+                                        </p:tav>
+                                        <p:tav tm="100000">
+                                          <p:val>
+                                            <p:strVal val="#ppt_y"/>
+                                          </p:val>
+                                        </p:tav>
+                                      </p:tavLst>
+                                    </p:anim>
+                                  </p:childTnLst>
+                                </p:cTn>
+                              </p:par>
+                            </p:childTnLst>
+                          </p:cTn>
+                        </p:par>
+                      </p:childTnLst>
+                    </p:cTn>
+                  </p:par>
+                </p:childTnLst>
+              </p:cTn>
+              <p:prevCondLst>
+                <p:cond evt="onPrev" delay="0">
+                  <p:tgtEl>
+                    <p:sldTgt/>
+                  </p:tgtEl>
+                </p:cond>
+              </p:prevCondLst>
+              <p:nextCondLst>
+                <p:cond evt="onNext" delay="0">
+                  <p:tgtEl>
+                    <p:sldTgt/>
+                  </p:tgtEl>
+                </p:cond>
+              </p:nextCondLst>
+            </p:seq>
+          </p:childTnLst>
+        </p:cTn>
       </p:par>
     </p:tnLst>
   </p:timing>
@@ -7456,17 +7650,12 @@
           <a:solidFill>
             <a:schemeClr val="bg1"/>
           </a:solidFill>
-          <a:extLst/>
         </p:spPr>
         <p:txBody>
-          <a:bodyPr vert="horz" wrap="square" lIns="91440" tIns="45720" rIns="91440" bIns="45720" numCol="1" anchor="t" anchorCtr="0" compatLnSpc="1">
-            <a:prstTxWarp prst="textNoShape">
-              <a:avLst/>
-            </a:prstTxWarp>
-          </a:bodyPr>
+          <a:bodyPr vert="horz" wrap="square" lIns="91440" tIns="45720" rIns="91440" bIns="45720" numCol="1" anchor="t" anchorCtr="0" compatLnSpc="1"/>
           <a:lstStyle/>
           <a:p>
-            <a:pPr marL="360000"/>
+            <a:pPr marL="360045"/>
             <a:r>
               <a:rPr lang="en-US" altLang="zh-CN" dirty="0"/>
               <a:t> </a:t>
@@ -7478,7 +7667,7 @@
             <a:endParaRPr lang="en-US" altLang="zh-CN" dirty="0" smtClean="0"/>
           </a:p>
           <a:p>
-            <a:pPr marL="591775" lvl="1"/>
+            <a:pPr marL="591820" lvl="1"/>
             <a:r>
               <a:rPr lang="en-US" altLang="zh-CN" dirty="0">
                 <a:latin typeface="+mn-ea"/>
@@ -7499,7 +7688,7 @@
             </a:endParaRPr>
           </a:p>
           <a:p>
-            <a:pPr marL="593362" lvl="2"/>
+            <a:pPr marL="593090" lvl="2"/>
             <a:r>
               <a:rPr lang="en-US" altLang="zh-CN" dirty="0">
                 <a:latin typeface="+mn-ea"/>
@@ -7555,7 +7744,7 @@
             </a:endParaRPr>
           </a:p>
           <a:p>
-            <a:pPr marL="591775" lvl="1"/>
+            <a:pPr marL="591820" lvl="1"/>
             <a:r>
               <a:rPr lang="en-US" altLang="zh-CN" sz="2400" dirty="0" smtClean="0"/>
               <a:t> </a:t>
@@ -7583,7 +7772,7 @@
             <a:endParaRPr lang="en-US" altLang="zh-CN" dirty="0" smtClean="0"/>
           </a:p>
           <a:p>
-            <a:pPr marL="593362" lvl="2"/>
+            <a:pPr marL="593090" lvl="2"/>
             <a:r>
               <a:rPr lang="en-US" altLang="zh-CN" dirty="0" smtClean="0"/>
               <a:t> import </a:t>
@@ -7634,7 +7823,7 @@
             </a:r>
           </a:p>
           <a:p>
-            <a:pPr marL="593362" lvl="2"/>
+            <a:pPr marL="593090" lvl="2"/>
             <a:r>
               <a:rPr lang="en-US" altLang="zh-CN" sz="2200" dirty="0"/>
               <a:t> </a:t>
@@ -7666,7 +7855,7 @@
             <a:endParaRPr lang="en-US" altLang="zh-CN" sz="2200" dirty="0" smtClean="0"/>
           </a:p>
           <a:p>
-            <a:pPr marL="591775" lvl="1"/>
+            <a:pPr marL="591820" lvl="1"/>
             <a:r>
               <a:rPr lang="zh-CN" altLang="en-US" dirty="0" smtClean="0"/>
               <a:t> 在 </a:t>
@@ -7690,7 +7879,7 @@
             <a:endParaRPr lang="en-US" altLang="zh-CN" dirty="0" smtClean="0"/>
           </a:p>
           <a:p>
-            <a:pPr marL="593362" lvl="2"/>
+            <a:pPr marL="593090" lvl="2"/>
             <a:r>
               <a:rPr lang="en-US" altLang="zh-CN" dirty="0"/>
               <a:t> import { </a:t>
@@ -7762,11 +7951,7 @@
           </a:extLst>
         </p:spPr>
         <p:txBody>
-          <a:bodyPr vert="horz" wrap="square" lIns="91440" tIns="45720" rIns="91440" bIns="45720" numCol="1" anchor="t" anchorCtr="0" compatLnSpc="1">
-            <a:prstTxWarp prst="textNoShape">
-              <a:avLst/>
-            </a:prstTxWarp>
-          </a:bodyPr>
+          <a:bodyPr vert="horz" wrap="square" lIns="91440" tIns="45720" rIns="91440" bIns="45720" numCol="1" anchor="t" anchorCtr="0" compatLnSpc="1"/>
           <a:lstStyle/>
           <a:p>
             <a:pPr>
@@ -7783,11 +7968,6 @@
         </p:txBody>
       </p:sp>
     </p:spTree>
-    <p:extLst>
-      <p:ext uri="{BB962C8B-B14F-4D97-AF65-F5344CB8AC3E}">
-        <p14:creationId xmlns:p14="http://schemas.microsoft.com/office/powerpoint/2010/main" val="1376101738"/>
-      </p:ext>
-    </p:extLst>
   </p:cSld>
   <p:clrMapOvr>
     <a:masterClrMapping/>
@@ -8016,8 +8196,6 @@
             </a:solidFill>
             <a:prstDash val="sysDot"/>
             <a:round/>
-            <a:headEnd/>
-            <a:tailEnd/>
           </a:ln>
           <a:extLst>
             <a:ext uri="{909E8E84-426E-40DD-AFC4-6F175D3DCCD1}">
@@ -8223,11 +8401,6 @@
         </p:txBody>
       </p:sp>
     </p:spTree>
-    <p:extLst>
-      <p:ext uri="{BB962C8B-B14F-4D97-AF65-F5344CB8AC3E}">
-        <p14:creationId xmlns:p14="http://schemas.microsoft.com/office/powerpoint/2010/main" val="1371639210"/>
-      </p:ext>
-    </p:extLst>
   </p:cSld>
   <p:clrMapOvr>
     <a:masterClrMapping/>
@@ -8490,13 +8663,8 @@
           <a:headEnd type="none" w="med" len="med"/>
           <a:tailEnd type="none" w="med" len="med"/>
         </a:ln>
-        <a:effectLst/>
       </a:spPr>
-      <a:bodyPr vert="horz" wrap="square" lIns="91440" tIns="45720" rIns="91440" bIns="45720" numCol="1" anchor="t" anchorCtr="0" compatLnSpc="1">
-        <a:prstTxWarp prst="textNoShape">
-          <a:avLst/>
-        </a:prstTxWarp>
-      </a:bodyPr>
+      <a:bodyPr vert="horz" wrap="square" lIns="91440" tIns="45720" rIns="91440" bIns="45720" numCol="1" anchor="t" anchorCtr="0" compatLnSpc="1"/>
       <a:lstStyle>
         <a:defPPr marL="0" marR="0" indent="0" algn="l" defTabSz="914400" rtl="0" eaLnBrk="0" fontAlgn="base" latinLnBrk="0" hangingPunct="0">
           <a:lnSpc>
@@ -8512,7 +8680,6 @@
           <a:buSzTx/>
           <a:buFontTx/>
           <a:buNone/>
-          <a:tabLst/>
           <a:defRPr kumimoji="0" lang="zh-CN" sz="3200" b="0" i="0" u="none" strike="noStrike" cap="none" normalizeH="0" baseline="0" smtClean="0">
             <a:ln>
               <a:noFill/>
@@ -8521,7 +8688,7 @@
               <a:schemeClr val="tx1"/>
             </a:solidFill>
             <a:effectLst/>
-            <a:latin typeface="Arial" pitchFamily="34" charset="0"/>
+            <a:latin typeface="Arial" panose="020B0604020202020204" pitchFamily="34" charset="0"/>
           </a:defRPr>
         </a:defPPr>
       </a:lstStyle>
@@ -8552,13 +8719,8 @@
           <a:headEnd type="none" w="med" len="med"/>
           <a:tailEnd type="none" w="med" len="med"/>
         </a:ln>
-        <a:effectLst/>
       </a:spPr>
-      <a:bodyPr vert="horz" wrap="square" lIns="91440" tIns="45720" rIns="91440" bIns="45720" numCol="1" anchor="t" anchorCtr="0" compatLnSpc="1">
-        <a:prstTxWarp prst="textNoShape">
-          <a:avLst/>
-        </a:prstTxWarp>
-      </a:bodyPr>
+      <a:bodyPr vert="horz" wrap="square" lIns="91440" tIns="45720" rIns="91440" bIns="45720" numCol="1" anchor="t" anchorCtr="0" compatLnSpc="1"/>
       <a:lstStyle>
         <a:defPPr marL="0" marR="0" indent="0" algn="l" defTabSz="914400" rtl="0" eaLnBrk="0" fontAlgn="base" latinLnBrk="0" hangingPunct="0">
           <a:lnSpc>
@@ -8574,7 +8736,6 @@
           <a:buSzTx/>
           <a:buFontTx/>
           <a:buNone/>
-          <a:tabLst/>
           <a:defRPr kumimoji="0" lang="zh-CN" sz="3200" b="0" i="0" u="none" strike="noStrike" cap="none" normalizeH="0" baseline="0" smtClean="0">
             <a:ln>
               <a:noFill/>
@@ -8583,13 +8744,18 @@
               <a:schemeClr val="tx1"/>
             </a:solidFill>
             <a:effectLst/>
-            <a:latin typeface="Arial" pitchFamily="34" charset="0"/>
+            <a:latin typeface="Arial" panose="020B0604020202020204" pitchFamily="34" charset="0"/>
           </a:defRPr>
         </a:defPPr>
       </a:lstStyle>
     </a:lnDef>
   </a:objectDefaults>
   <a:extraClrSchemeLst/>
+  <a:extLst>
+    <a:ext uri="{05A4C25C-085E-4340-85A3-A5531E510DB2}">
+      <thm15:themeFamily xmlns:thm15="http://schemas.microsoft.com/office/thememl/2012/main" xmlns="" name="Office Theme" id="{62F939B6-93AF-4DB8-9C6B-D6C7DFDC589F}" vid="{4A3C46E8-61CC-4603-A589-7422A47A8E4A}"/>
+    </a:ext>
+  </a:extLst>
 </a:theme>
 </file>
 
@@ -8873,5 +9039,10 @@
   </a:themeElements>
   <a:objectDefaults/>
   <a:extraClrSchemeLst/>
+  <a:extLst>
+    <a:ext uri="{05A4C25C-085E-4340-85A3-A5531E510DB2}">
+      <thm15:themeFamily xmlns:thm15="http://schemas.microsoft.com/office/thememl/2012/main" xmlns="" name="Office Theme" id="{62F939B6-93AF-4DB8-9C6B-D6C7DFDC589F}" vid="{4A3C46E8-61CC-4603-A589-7422A47A8E4A}"/>
+    </a:ext>
+  </a:extLst>
 </a:theme>
 </file>